--- a/assets/96board_db410_GPIO.pptx
+++ b/assets/96board_db410_GPIO.pptx
@@ -105,6 +105,22 @@
       </a:defRPr>
     </a:lvl9pPr>
   </p:defaultTextStyle>
+  <p:extLst>
+    <p:ext uri="{EFAFB233-063F-42B5-8137-9DF3F51BA10A}">
+      <p15:sldGuideLst xmlns:p15="http://schemas.microsoft.com/office/powerpoint/2012/main">
+        <p15:guide id="1" orient="horz" pos="2160">
+          <p15:clr>
+            <a:srgbClr val="A4A3A4"/>
+          </p15:clr>
+        </p15:guide>
+        <p15:guide id="2" pos="2880">
+          <p15:clr>
+            <a:srgbClr val="A4A3A4"/>
+          </p15:clr>
+        </p15:guide>
+      </p15:sldGuideLst>
+    </p:ext>
+  </p:extLst>
 </p:presentation>
 </file>
 
@@ -146,10 +162,9 @@
           <a:lstStyle/>
           <a:p>
             <a:r>
-              <a:rPr lang="ko-KR" altLang="en-US" smtClean="0"/>
+              <a:rPr lang="ko-KR" altLang="en-US"/>
               <a:t>마스터 제목 스타일 편집</a:t>
             </a:r>
-            <a:endParaRPr lang="ko-KR" altLang="en-US"/>
           </a:p>
         </p:txBody>
       </p:sp>
@@ -265,10 +280,9 @@
           </a:lstStyle>
           <a:p>
             <a:r>
-              <a:rPr lang="ko-KR" altLang="en-US" smtClean="0"/>
+              <a:rPr lang="ko-KR" altLang="en-US"/>
               <a:t>마스터 부제목 스타일 편집</a:t>
             </a:r>
-            <a:endParaRPr lang="ko-KR" altLang="en-US"/>
           </a:p>
         </p:txBody>
       </p:sp>
@@ -289,7 +303,7 @@
           <a:p>
             <a:fld id="{8592F60C-9808-47AB-BEAD-1D495E3BCB13}" type="datetimeFigureOut">
               <a:rPr lang="ko-KR" altLang="en-US" smtClean="0"/>
-              <a:t>2018-03-14</a:t>
+              <a:t>2018-07-16</a:t>
             </a:fld>
             <a:endParaRPr lang="ko-KR" altLang="en-US"/>
           </a:p>
@@ -383,10 +397,9 @@
           <a:lstStyle/>
           <a:p>
             <a:r>
-              <a:rPr lang="ko-KR" altLang="en-US" smtClean="0"/>
+              <a:rPr lang="ko-KR" altLang="en-US"/>
               <a:t>마스터 제목 스타일 편집</a:t>
             </a:r>
-            <a:endParaRPr lang="ko-KR" altLang="en-US"/>
           </a:p>
         </p:txBody>
       </p:sp>
@@ -407,38 +420,37 @@
           <a:p>
             <a:pPr lvl="0"/>
             <a:r>
-              <a:rPr lang="ko-KR" altLang="en-US" smtClean="0"/>
+              <a:rPr lang="ko-KR" altLang="en-US"/>
               <a:t>마스터 텍스트 스타일을 편집합니다</a:t>
             </a:r>
           </a:p>
           <a:p>
             <a:pPr lvl="1"/>
             <a:r>
-              <a:rPr lang="ko-KR" altLang="en-US" smtClean="0"/>
+              <a:rPr lang="ko-KR" altLang="en-US"/>
               <a:t>둘째 수준</a:t>
             </a:r>
           </a:p>
           <a:p>
             <a:pPr lvl="2"/>
             <a:r>
-              <a:rPr lang="ko-KR" altLang="en-US" smtClean="0"/>
+              <a:rPr lang="ko-KR" altLang="en-US"/>
               <a:t>셋째 수준</a:t>
             </a:r>
           </a:p>
           <a:p>
             <a:pPr lvl="3"/>
             <a:r>
-              <a:rPr lang="ko-KR" altLang="en-US" smtClean="0"/>
+              <a:rPr lang="ko-KR" altLang="en-US"/>
               <a:t>넷째 수준</a:t>
             </a:r>
           </a:p>
           <a:p>
             <a:pPr lvl="4"/>
             <a:r>
-              <a:rPr lang="ko-KR" altLang="en-US" smtClean="0"/>
+              <a:rPr lang="ko-KR" altLang="en-US"/>
               <a:t>다섯째 수준</a:t>
             </a:r>
-            <a:endParaRPr lang="ko-KR" altLang="en-US"/>
           </a:p>
         </p:txBody>
       </p:sp>
@@ -459,7 +471,7 @@
           <a:p>
             <a:fld id="{8592F60C-9808-47AB-BEAD-1D495E3BCB13}" type="datetimeFigureOut">
               <a:rPr lang="ko-KR" altLang="en-US" smtClean="0"/>
-              <a:t>2018-03-14</a:t>
+              <a:t>2018-07-16</a:t>
             </a:fld>
             <a:endParaRPr lang="ko-KR" altLang="en-US"/>
           </a:p>
@@ -558,10 +570,9 @@
           <a:lstStyle/>
           <a:p>
             <a:r>
-              <a:rPr lang="ko-KR" altLang="en-US" smtClean="0"/>
+              <a:rPr lang="ko-KR" altLang="en-US"/>
               <a:t>마스터 제목 스타일 편집</a:t>
             </a:r>
-            <a:endParaRPr lang="ko-KR" altLang="en-US"/>
           </a:p>
         </p:txBody>
       </p:sp>
@@ -587,38 +598,37 @@
           <a:p>
             <a:pPr lvl="0"/>
             <a:r>
-              <a:rPr lang="ko-KR" altLang="en-US" smtClean="0"/>
+              <a:rPr lang="ko-KR" altLang="en-US"/>
               <a:t>마스터 텍스트 스타일을 편집합니다</a:t>
             </a:r>
           </a:p>
           <a:p>
             <a:pPr lvl="1"/>
             <a:r>
-              <a:rPr lang="ko-KR" altLang="en-US" smtClean="0"/>
+              <a:rPr lang="ko-KR" altLang="en-US"/>
               <a:t>둘째 수준</a:t>
             </a:r>
           </a:p>
           <a:p>
             <a:pPr lvl="2"/>
             <a:r>
-              <a:rPr lang="ko-KR" altLang="en-US" smtClean="0"/>
+              <a:rPr lang="ko-KR" altLang="en-US"/>
               <a:t>셋째 수준</a:t>
             </a:r>
           </a:p>
           <a:p>
             <a:pPr lvl="3"/>
             <a:r>
-              <a:rPr lang="ko-KR" altLang="en-US" smtClean="0"/>
+              <a:rPr lang="ko-KR" altLang="en-US"/>
               <a:t>넷째 수준</a:t>
             </a:r>
           </a:p>
           <a:p>
             <a:pPr lvl="4"/>
             <a:r>
-              <a:rPr lang="ko-KR" altLang="en-US" smtClean="0"/>
+              <a:rPr lang="ko-KR" altLang="en-US"/>
               <a:t>다섯째 수준</a:t>
             </a:r>
-            <a:endParaRPr lang="ko-KR" altLang="en-US"/>
           </a:p>
         </p:txBody>
       </p:sp>
@@ -639,7 +649,7 @@
           <a:p>
             <a:fld id="{8592F60C-9808-47AB-BEAD-1D495E3BCB13}" type="datetimeFigureOut">
               <a:rPr lang="ko-KR" altLang="en-US" smtClean="0"/>
-              <a:t>2018-03-14</a:t>
+              <a:t>2018-07-16</a:t>
             </a:fld>
             <a:endParaRPr lang="ko-KR" altLang="en-US"/>
           </a:p>
@@ -733,10 +743,9 @@
           <a:lstStyle/>
           <a:p>
             <a:r>
-              <a:rPr lang="ko-KR" altLang="en-US" smtClean="0"/>
+              <a:rPr lang="ko-KR" altLang="en-US"/>
               <a:t>마스터 제목 스타일 편집</a:t>
             </a:r>
-            <a:endParaRPr lang="ko-KR" altLang="en-US"/>
           </a:p>
         </p:txBody>
       </p:sp>
@@ -757,38 +766,37 @@
           <a:p>
             <a:pPr lvl="0"/>
             <a:r>
-              <a:rPr lang="ko-KR" altLang="en-US" smtClean="0"/>
+              <a:rPr lang="ko-KR" altLang="en-US"/>
               <a:t>마스터 텍스트 스타일을 편집합니다</a:t>
             </a:r>
           </a:p>
           <a:p>
             <a:pPr lvl="1"/>
             <a:r>
-              <a:rPr lang="ko-KR" altLang="en-US" smtClean="0"/>
+              <a:rPr lang="ko-KR" altLang="en-US"/>
               <a:t>둘째 수준</a:t>
             </a:r>
           </a:p>
           <a:p>
             <a:pPr lvl="2"/>
             <a:r>
-              <a:rPr lang="ko-KR" altLang="en-US" smtClean="0"/>
+              <a:rPr lang="ko-KR" altLang="en-US"/>
               <a:t>셋째 수준</a:t>
             </a:r>
           </a:p>
           <a:p>
             <a:pPr lvl="3"/>
             <a:r>
-              <a:rPr lang="ko-KR" altLang="en-US" smtClean="0"/>
+              <a:rPr lang="ko-KR" altLang="en-US"/>
               <a:t>넷째 수준</a:t>
             </a:r>
           </a:p>
           <a:p>
             <a:pPr lvl="4"/>
             <a:r>
-              <a:rPr lang="ko-KR" altLang="en-US" smtClean="0"/>
+              <a:rPr lang="ko-KR" altLang="en-US"/>
               <a:t>다섯째 수준</a:t>
             </a:r>
-            <a:endParaRPr lang="ko-KR" altLang="en-US"/>
           </a:p>
         </p:txBody>
       </p:sp>
@@ -809,7 +817,7 @@
           <a:p>
             <a:fld id="{8592F60C-9808-47AB-BEAD-1D495E3BCB13}" type="datetimeFigureOut">
               <a:rPr lang="ko-KR" altLang="en-US" smtClean="0"/>
-              <a:t>2018-03-14</a:t>
+              <a:t>2018-07-16</a:t>
             </a:fld>
             <a:endParaRPr lang="ko-KR" altLang="en-US"/>
           </a:p>
@@ -912,10 +920,9 @@
           </a:lstStyle>
           <a:p>
             <a:r>
-              <a:rPr lang="ko-KR" altLang="en-US" smtClean="0"/>
+              <a:rPr lang="ko-KR" altLang="en-US"/>
               <a:t>마스터 제목 스타일 편집</a:t>
             </a:r>
-            <a:endParaRPr lang="ko-KR" altLang="en-US"/>
           </a:p>
         </p:txBody>
       </p:sp>
@@ -1032,7 +1039,7 @@
           <a:p>
             <a:pPr lvl="0"/>
             <a:r>
-              <a:rPr lang="ko-KR" altLang="en-US" smtClean="0"/>
+              <a:rPr lang="ko-KR" altLang="en-US"/>
               <a:t>마스터 텍스트 스타일을 편집합니다</a:t>
             </a:r>
           </a:p>
@@ -1055,7 +1062,7 @@
           <a:p>
             <a:fld id="{8592F60C-9808-47AB-BEAD-1D495E3BCB13}" type="datetimeFigureOut">
               <a:rPr lang="ko-KR" altLang="en-US" smtClean="0"/>
-              <a:t>2018-03-14</a:t>
+              <a:t>2018-07-16</a:t>
             </a:fld>
             <a:endParaRPr lang="ko-KR" altLang="en-US"/>
           </a:p>
@@ -1149,10 +1156,9 @@
           <a:lstStyle/>
           <a:p>
             <a:r>
-              <a:rPr lang="ko-KR" altLang="en-US" smtClean="0"/>
+              <a:rPr lang="ko-KR" altLang="en-US"/>
               <a:t>마스터 제목 스타일 편집</a:t>
             </a:r>
-            <a:endParaRPr lang="ko-KR" altLang="en-US"/>
           </a:p>
         </p:txBody>
       </p:sp>
@@ -1206,38 +1212,37 @@
           <a:p>
             <a:pPr lvl="0"/>
             <a:r>
-              <a:rPr lang="ko-KR" altLang="en-US" smtClean="0"/>
+              <a:rPr lang="ko-KR" altLang="en-US"/>
               <a:t>마스터 텍스트 스타일을 편집합니다</a:t>
             </a:r>
           </a:p>
           <a:p>
             <a:pPr lvl="1"/>
             <a:r>
-              <a:rPr lang="ko-KR" altLang="en-US" smtClean="0"/>
+              <a:rPr lang="ko-KR" altLang="en-US"/>
               <a:t>둘째 수준</a:t>
             </a:r>
           </a:p>
           <a:p>
             <a:pPr lvl="2"/>
             <a:r>
-              <a:rPr lang="ko-KR" altLang="en-US" smtClean="0"/>
+              <a:rPr lang="ko-KR" altLang="en-US"/>
               <a:t>셋째 수준</a:t>
             </a:r>
           </a:p>
           <a:p>
             <a:pPr lvl="3"/>
             <a:r>
-              <a:rPr lang="ko-KR" altLang="en-US" smtClean="0"/>
+              <a:rPr lang="ko-KR" altLang="en-US"/>
               <a:t>넷째 수준</a:t>
             </a:r>
           </a:p>
           <a:p>
             <a:pPr lvl="4"/>
             <a:r>
-              <a:rPr lang="ko-KR" altLang="en-US" smtClean="0"/>
+              <a:rPr lang="ko-KR" altLang="en-US"/>
               <a:t>다섯째 수준</a:t>
             </a:r>
-            <a:endParaRPr lang="ko-KR" altLang="en-US"/>
           </a:p>
         </p:txBody>
       </p:sp>
@@ -1291,38 +1296,37 @@
           <a:p>
             <a:pPr lvl="0"/>
             <a:r>
-              <a:rPr lang="ko-KR" altLang="en-US" smtClean="0"/>
+              <a:rPr lang="ko-KR" altLang="en-US"/>
               <a:t>마스터 텍스트 스타일을 편집합니다</a:t>
             </a:r>
           </a:p>
           <a:p>
             <a:pPr lvl="1"/>
             <a:r>
-              <a:rPr lang="ko-KR" altLang="en-US" smtClean="0"/>
+              <a:rPr lang="ko-KR" altLang="en-US"/>
               <a:t>둘째 수준</a:t>
             </a:r>
           </a:p>
           <a:p>
             <a:pPr lvl="2"/>
             <a:r>
-              <a:rPr lang="ko-KR" altLang="en-US" smtClean="0"/>
+              <a:rPr lang="ko-KR" altLang="en-US"/>
               <a:t>셋째 수준</a:t>
             </a:r>
           </a:p>
           <a:p>
             <a:pPr lvl="3"/>
             <a:r>
-              <a:rPr lang="ko-KR" altLang="en-US" smtClean="0"/>
+              <a:rPr lang="ko-KR" altLang="en-US"/>
               <a:t>넷째 수준</a:t>
             </a:r>
           </a:p>
           <a:p>
             <a:pPr lvl="4"/>
             <a:r>
-              <a:rPr lang="ko-KR" altLang="en-US" smtClean="0"/>
+              <a:rPr lang="ko-KR" altLang="en-US"/>
               <a:t>다섯째 수준</a:t>
             </a:r>
-            <a:endParaRPr lang="ko-KR" altLang="en-US"/>
           </a:p>
         </p:txBody>
       </p:sp>
@@ -1343,7 +1347,7 @@
           <a:p>
             <a:fld id="{8592F60C-9808-47AB-BEAD-1D495E3BCB13}" type="datetimeFigureOut">
               <a:rPr lang="ko-KR" altLang="en-US" smtClean="0"/>
-              <a:t>2018-03-14</a:t>
+              <a:t>2018-07-16</a:t>
             </a:fld>
             <a:endParaRPr lang="ko-KR" altLang="en-US"/>
           </a:p>
@@ -1441,10 +1445,9 @@
           </a:lstStyle>
           <a:p>
             <a:r>
-              <a:rPr lang="ko-KR" altLang="en-US" smtClean="0"/>
+              <a:rPr lang="ko-KR" altLang="en-US"/>
               <a:t>마스터 제목 스타일 편집</a:t>
             </a:r>
-            <a:endParaRPr lang="ko-KR" altLang="en-US"/>
           </a:p>
         </p:txBody>
       </p:sp>
@@ -1507,7 +1510,7 @@
           <a:p>
             <a:pPr lvl="0"/>
             <a:r>
-              <a:rPr lang="ko-KR" altLang="en-US" smtClean="0"/>
+              <a:rPr lang="ko-KR" altLang="en-US"/>
               <a:t>마스터 텍스트 스타일을 편집합니다</a:t>
             </a:r>
           </a:p>
@@ -1563,38 +1566,37 @@
           <a:p>
             <a:pPr lvl="0"/>
             <a:r>
-              <a:rPr lang="ko-KR" altLang="en-US" smtClean="0"/>
+              <a:rPr lang="ko-KR" altLang="en-US"/>
               <a:t>마스터 텍스트 스타일을 편집합니다</a:t>
             </a:r>
           </a:p>
           <a:p>
             <a:pPr lvl="1"/>
             <a:r>
-              <a:rPr lang="ko-KR" altLang="en-US" smtClean="0"/>
+              <a:rPr lang="ko-KR" altLang="en-US"/>
               <a:t>둘째 수준</a:t>
             </a:r>
           </a:p>
           <a:p>
             <a:pPr lvl="2"/>
             <a:r>
-              <a:rPr lang="ko-KR" altLang="en-US" smtClean="0"/>
+              <a:rPr lang="ko-KR" altLang="en-US"/>
               <a:t>셋째 수준</a:t>
             </a:r>
           </a:p>
           <a:p>
             <a:pPr lvl="3"/>
             <a:r>
-              <a:rPr lang="ko-KR" altLang="en-US" smtClean="0"/>
+              <a:rPr lang="ko-KR" altLang="en-US"/>
               <a:t>넷째 수준</a:t>
             </a:r>
           </a:p>
           <a:p>
             <a:pPr lvl="4"/>
             <a:r>
-              <a:rPr lang="ko-KR" altLang="en-US" smtClean="0"/>
+              <a:rPr lang="ko-KR" altLang="en-US"/>
               <a:t>다섯째 수준</a:t>
             </a:r>
-            <a:endParaRPr lang="ko-KR" altLang="en-US"/>
           </a:p>
         </p:txBody>
       </p:sp>
@@ -1657,7 +1659,7 @@
           <a:p>
             <a:pPr lvl="0"/>
             <a:r>
-              <a:rPr lang="ko-KR" altLang="en-US" smtClean="0"/>
+              <a:rPr lang="ko-KR" altLang="en-US"/>
               <a:t>마스터 텍스트 스타일을 편집합니다</a:t>
             </a:r>
           </a:p>
@@ -1713,38 +1715,37 @@
           <a:p>
             <a:pPr lvl="0"/>
             <a:r>
-              <a:rPr lang="ko-KR" altLang="en-US" smtClean="0"/>
+              <a:rPr lang="ko-KR" altLang="en-US"/>
               <a:t>마스터 텍스트 스타일을 편집합니다</a:t>
             </a:r>
           </a:p>
           <a:p>
             <a:pPr lvl="1"/>
             <a:r>
-              <a:rPr lang="ko-KR" altLang="en-US" smtClean="0"/>
+              <a:rPr lang="ko-KR" altLang="en-US"/>
               <a:t>둘째 수준</a:t>
             </a:r>
           </a:p>
           <a:p>
             <a:pPr lvl="2"/>
             <a:r>
-              <a:rPr lang="ko-KR" altLang="en-US" smtClean="0"/>
+              <a:rPr lang="ko-KR" altLang="en-US"/>
               <a:t>셋째 수준</a:t>
             </a:r>
           </a:p>
           <a:p>
             <a:pPr lvl="3"/>
             <a:r>
-              <a:rPr lang="ko-KR" altLang="en-US" smtClean="0"/>
+              <a:rPr lang="ko-KR" altLang="en-US"/>
               <a:t>넷째 수준</a:t>
             </a:r>
           </a:p>
           <a:p>
             <a:pPr lvl="4"/>
             <a:r>
-              <a:rPr lang="ko-KR" altLang="en-US" smtClean="0"/>
+              <a:rPr lang="ko-KR" altLang="en-US"/>
               <a:t>다섯째 수준</a:t>
             </a:r>
-            <a:endParaRPr lang="ko-KR" altLang="en-US"/>
           </a:p>
         </p:txBody>
       </p:sp>
@@ -1765,7 +1766,7 @@
           <a:p>
             <a:fld id="{8592F60C-9808-47AB-BEAD-1D495E3BCB13}" type="datetimeFigureOut">
               <a:rPr lang="ko-KR" altLang="en-US" smtClean="0"/>
-              <a:t>2018-03-14</a:t>
+              <a:t>2018-07-16</a:t>
             </a:fld>
             <a:endParaRPr lang="ko-KR" altLang="en-US"/>
           </a:p>
@@ -1859,10 +1860,9 @@
           <a:lstStyle/>
           <a:p>
             <a:r>
-              <a:rPr lang="ko-KR" altLang="en-US" smtClean="0"/>
+              <a:rPr lang="ko-KR" altLang="en-US"/>
               <a:t>마스터 제목 스타일 편집</a:t>
             </a:r>
-            <a:endParaRPr lang="ko-KR" altLang="en-US"/>
           </a:p>
         </p:txBody>
       </p:sp>
@@ -1883,7 +1883,7 @@
           <a:p>
             <a:fld id="{8592F60C-9808-47AB-BEAD-1D495E3BCB13}" type="datetimeFigureOut">
               <a:rPr lang="ko-KR" altLang="en-US" smtClean="0"/>
-              <a:t>2018-03-14</a:t>
+              <a:t>2018-07-16</a:t>
             </a:fld>
             <a:endParaRPr lang="ko-KR" altLang="en-US"/>
           </a:p>
@@ -1978,7 +1978,7 @@
           <a:p>
             <a:fld id="{8592F60C-9808-47AB-BEAD-1D495E3BCB13}" type="datetimeFigureOut">
               <a:rPr lang="ko-KR" altLang="en-US" smtClean="0"/>
-              <a:t>2018-03-14</a:t>
+              <a:t>2018-07-16</a:t>
             </a:fld>
             <a:endParaRPr lang="ko-KR" altLang="en-US"/>
           </a:p>
@@ -2081,10 +2081,9 @@
           </a:lstStyle>
           <a:p>
             <a:r>
-              <a:rPr lang="ko-KR" altLang="en-US" smtClean="0"/>
+              <a:rPr lang="ko-KR" altLang="en-US"/>
               <a:t>마스터 제목 스타일 편집</a:t>
             </a:r>
-            <a:endParaRPr lang="ko-KR" altLang="en-US"/>
           </a:p>
         </p:txBody>
       </p:sp>
@@ -2138,38 +2137,37 @@
           <a:p>
             <a:pPr lvl="0"/>
             <a:r>
-              <a:rPr lang="ko-KR" altLang="en-US" smtClean="0"/>
+              <a:rPr lang="ko-KR" altLang="en-US"/>
               <a:t>마스터 텍스트 스타일을 편집합니다</a:t>
             </a:r>
           </a:p>
           <a:p>
             <a:pPr lvl="1"/>
             <a:r>
-              <a:rPr lang="ko-KR" altLang="en-US" smtClean="0"/>
+              <a:rPr lang="ko-KR" altLang="en-US"/>
               <a:t>둘째 수준</a:t>
             </a:r>
           </a:p>
           <a:p>
             <a:pPr lvl="2"/>
             <a:r>
-              <a:rPr lang="ko-KR" altLang="en-US" smtClean="0"/>
+              <a:rPr lang="ko-KR" altLang="en-US"/>
               <a:t>셋째 수준</a:t>
             </a:r>
           </a:p>
           <a:p>
             <a:pPr lvl="3"/>
             <a:r>
-              <a:rPr lang="ko-KR" altLang="en-US" smtClean="0"/>
+              <a:rPr lang="ko-KR" altLang="en-US"/>
               <a:t>넷째 수준</a:t>
             </a:r>
           </a:p>
           <a:p>
             <a:pPr lvl="4"/>
             <a:r>
-              <a:rPr lang="ko-KR" altLang="en-US" smtClean="0"/>
+              <a:rPr lang="ko-KR" altLang="en-US"/>
               <a:t>다섯째 수준</a:t>
             </a:r>
-            <a:endParaRPr lang="ko-KR" altLang="en-US"/>
           </a:p>
         </p:txBody>
       </p:sp>
@@ -2232,7 +2230,7 @@
           <a:p>
             <a:pPr lvl="0"/>
             <a:r>
-              <a:rPr lang="ko-KR" altLang="en-US" smtClean="0"/>
+              <a:rPr lang="ko-KR" altLang="en-US"/>
               <a:t>마스터 텍스트 스타일을 편집합니다</a:t>
             </a:r>
           </a:p>
@@ -2255,7 +2253,7 @@
           <a:p>
             <a:fld id="{8592F60C-9808-47AB-BEAD-1D495E3BCB13}" type="datetimeFigureOut">
               <a:rPr lang="ko-KR" altLang="en-US" smtClean="0"/>
-              <a:t>2018-03-14</a:t>
+              <a:t>2018-07-16</a:t>
             </a:fld>
             <a:endParaRPr lang="ko-KR" altLang="en-US"/>
           </a:p>
@@ -2358,10 +2356,9 @@
           </a:lstStyle>
           <a:p>
             <a:r>
-              <a:rPr lang="ko-KR" altLang="en-US" smtClean="0"/>
+              <a:rPr lang="ko-KR" altLang="en-US"/>
               <a:t>마스터 제목 스타일 편집</a:t>
             </a:r>
-            <a:endParaRPr lang="ko-KR" altLang="en-US"/>
           </a:p>
         </p:txBody>
       </p:sp>
@@ -2485,7 +2482,7 @@
           <a:p>
             <a:pPr lvl="0"/>
             <a:r>
-              <a:rPr lang="ko-KR" altLang="en-US" smtClean="0"/>
+              <a:rPr lang="ko-KR" altLang="en-US"/>
               <a:t>마스터 텍스트 스타일을 편집합니다</a:t>
             </a:r>
           </a:p>
@@ -2508,7 +2505,7 @@
           <a:p>
             <a:fld id="{8592F60C-9808-47AB-BEAD-1D495E3BCB13}" type="datetimeFigureOut">
               <a:rPr lang="ko-KR" altLang="en-US" smtClean="0"/>
-              <a:t>2018-03-14</a:t>
+              <a:t>2018-07-16</a:t>
             </a:fld>
             <a:endParaRPr lang="ko-KR" altLang="en-US"/>
           </a:p>
@@ -2617,10 +2614,9 @@
           <a:lstStyle/>
           <a:p>
             <a:r>
-              <a:rPr lang="ko-KR" altLang="en-US" smtClean="0"/>
+              <a:rPr lang="ko-KR" altLang="en-US"/>
               <a:t>마스터 제목 스타일 편집</a:t>
             </a:r>
-            <a:endParaRPr lang="ko-KR" altLang="en-US"/>
           </a:p>
         </p:txBody>
       </p:sp>
@@ -2651,38 +2647,37 @@
           <a:p>
             <a:pPr lvl="0"/>
             <a:r>
-              <a:rPr lang="ko-KR" altLang="en-US" smtClean="0"/>
+              <a:rPr lang="ko-KR" altLang="en-US"/>
               <a:t>마스터 텍스트 스타일을 편집합니다</a:t>
             </a:r>
           </a:p>
           <a:p>
             <a:pPr lvl="1"/>
             <a:r>
-              <a:rPr lang="ko-KR" altLang="en-US" smtClean="0"/>
+              <a:rPr lang="ko-KR" altLang="en-US"/>
               <a:t>둘째 수준</a:t>
             </a:r>
           </a:p>
           <a:p>
             <a:pPr lvl="2"/>
             <a:r>
-              <a:rPr lang="ko-KR" altLang="en-US" smtClean="0"/>
+              <a:rPr lang="ko-KR" altLang="en-US"/>
               <a:t>셋째 수준</a:t>
             </a:r>
           </a:p>
           <a:p>
             <a:pPr lvl="3"/>
             <a:r>
-              <a:rPr lang="ko-KR" altLang="en-US" smtClean="0"/>
+              <a:rPr lang="ko-KR" altLang="en-US"/>
               <a:t>넷째 수준</a:t>
             </a:r>
           </a:p>
           <a:p>
             <a:pPr lvl="4"/>
             <a:r>
-              <a:rPr lang="ko-KR" altLang="en-US" smtClean="0"/>
+              <a:rPr lang="ko-KR" altLang="en-US"/>
               <a:t>다섯째 수준</a:t>
             </a:r>
-            <a:endParaRPr lang="ko-KR" altLang="en-US"/>
           </a:p>
         </p:txBody>
       </p:sp>
@@ -2721,7 +2716,7 @@
           <a:p>
             <a:fld id="{8592F60C-9808-47AB-BEAD-1D495E3BCB13}" type="datetimeFigureOut">
               <a:rPr lang="ko-KR" altLang="en-US" smtClean="0"/>
-              <a:t>2018-03-14</a:t>
+              <a:t>2018-07-16</a:t>
             </a:fld>
             <a:endParaRPr lang="ko-KR" altLang="en-US"/>
           </a:p>
@@ -3135,7 +3130,7 @@
           <p:nvPr>
             <p:extLst>
               <p:ext uri="{D42A27DB-BD31-4B8C-83A1-F6EECF244321}">
-                <p14:modId xmlns:p14="http://schemas.microsoft.com/office/powerpoint/2010/main" val="1966446358"/>
+                <p14:modId xmlns:p14="http://schemas.microsoft.com/office/powerpoint/2010/main" val="1221399635"/>
               </p:ext>
             </p:extLst>
           </p:nvPr>
@@ -3151,10 +3146,34 @@
                 <a:tableStyleId>{5940675A-B579-460E-94D1-54222C63F5DA}</a:tableStyleId>
               </a:tblPr>
               <a:tblGrid>
-                <a:gridCol w="1316730"/>
-                <a:gridCol w="1316730"/>
-                <a:gridCol w="1316730"/>
-                <a:gridCol w="1316730"/>
+                <a:gridCol w="1316730">
+                  <a:extLst>
+                    <a:ext uri="{9D8B030D-6E8A-4147-A177-3AD203B41FA5}">
+                      <a16:colId xmlns:a16="http://schemas.microsoft.com/office/drawing/2014/main" val="20000"/>
+                    </a:ext>
+                  </a:extLst>
+                </a:gridCol>
+                <a:gridCol w="1316730">
+                  <a:extLst>
+                    <a:ext uri="{9D8B030D-6E8A-4147-A177-3AD203B41FA5}">
+                      <a16:colId xmlns:a16="http://schemas.microsoft.com/office/drawing/2014/main" val="20001"/>
+                    </a:ext>
+                  </a:extLst>
+                </a:gridCol>
+                <a:gridCol w="1316730">
+                  <a:extLst>
+                    <a:ext uri="{9D8B030D-6E8A-4147-A177-3AD203B41FA5}">
+                      <a16:colId xmlns:a16="http://schemas.microsoft.com/office/drawing/2014/main" val="20002"/>
+                    </a:ext>
+                  </a:extLst>
+                </a:gridCol>
+                <a:gridCol w="1316730">
+                  <a:extLst>
+                    <a:ext uri="{9D8B030D-6E8A-4147-A177-3AD203B41FA5}">
+                      <a16:colId xmlns:a16="http://schemas.microsoft.com/office/drawing/2014/main" val="20003"/>
+                    </a:ext>
+                  </a:extLst>
+                </a:gridCol>
               </a:tblGrid>
               <a:tr h="204165">
                 <a:tc>
@@ -3164,7 +3183,7 @@
                     <a:p>
                       <a:pPr algn="ctr" latinLnBrk="1"/>
                       <a:r>
-                        <a:rPr lang="en-US" altLang="ko-KR" sz="1100" b="1" dirty="0" smtClean="0"/>
+                        <a:rPr lang="en-US" altLang="ko-KR" sz="1100" b="1" dirty="0"/>
                         <a:t>DB410C</a:t>
                       </a:r>
                       <a:endParaRPr lang="ko-KR" altLang="en-US" sz="1100" b="1" dirty="0"/>
@@ -3204,7 +3223,7 @@
                     <a:p>
                       <a:pPr algn="ctr" latinLnBrk="1"/>
                       <a:r>
-                        <a:rPr lang="en-US" altLang="ko-KR" sz="1100" b="1" dirty="0" smtClean="0"/>
+                        <a:rPr lang="en-US" altLang="ko-KR" sz="1100" b="1" dirty="0"/>
                         <a:t>96BoardGPIO</a:t>
                       </a:r>
                       <a:endParaRPr lang="ko-KR" altLang="en-US" sz="1100" b="1" dirty="0"/>
@@ -3235,7 +3254,7 @@
                     <a:p>
                       <a:pPr algn="ctr" latinLnBrk="1"/>
                       <a:r>
-                        <a:rPr lang="en-US" altLang="ko-KR" sz="1100" b="1" dirty="0" smtClean="0"/>
+                        <a:rPr lang="en-US" altLang="ko-KR" sz="1100" b="1" dirty="0"/>
                         <a:t>DB410c</a:t>
                       </a:r>
                       <a:endParaRPr lang="ko-KR" altLang="en-US" sz="1100" b="1" dirty="0"/>
@@ -3266,7 +3285,7 @@
                     <a:p>
                       <a:pPr algn="ctr" latinLnBrk="1"/>
                       <a:r>
-                        <a:rPr lang="en-US" altLang="ko-KR" sz="1100" b="1" dirty="0" smtClean="0"/>
+                        <a:rPr lang="en-US" altLang="ko-KR" sz="1100" b="1" dirty="0"/>
                         <a:t>96BoardGPIO</a:t>
                       </a:r>
                       <a:endParaRPr lang="ko-KR" altLang="en-US" sz="1100" b="1" dirty="0"/>
@@ -3299,6 +3318,11 @@
                     </a:solidFill>
                   </a:tcPr>
                 </a:tc>
+                <a:extLst>
+                  <a:ext uri="{0D108BD9-81ED-4DB2-BD59-A6C34878D82A}">
+                    <a16:rowId xmlns:a16="http://schemas.microsoft.com/office/drawing/2014/main" val="10000"/>
+                  </a:ext>
+                </a:extLst>
               </a:tr>
               <a:tr h="204165">
                 <a:tc>
@@ -3308,7 +3332,7 @@
                     <a:p>
                       <a:pPr algn="ctr" latinLnBrk="1"/>
                       <a:r>
-                        <a:rPr lang="en-US" altLang="ko-KR" sz="1100" dirty="0" smtClean="0"/>
+                        <a:rPr lang="en-US" altLang="ko-KR" sz="1100" dirty="0"/>
                         <a:t>GPIO-A</a:t>
                       </a:r>
                       <a:endParaRPr lang="ko-KR" altLang="en-US" sz="1100" dirty="0"/>
@@ -3339,11 +3363,11 @@
                     <a:p>
                       <a:pPr algn="ctr" latinLnBrk="1"/>
                       <a:r>
-                        <a:rPr lang="en-US" altLang="ko-KR" sz="1100" dirty="0" smtClean="0"/>
+                        <a:rPr lang="en-US" altLang="ko-KR" sz="1100" dirty="0"/>
                         <a:t>GPIO</a:t>
                       </a:r>
                       <a:r>
-                        <a:rPr lang="en-US" altLang="ko-KR" sz="1100" baseline="0" dirty="0" smtClean="0"/>
+                        <a:rPr lang="en-US" altLang="ko-KR" sz="1100" baseline="0" dirty="0"/>
                         <a:t> 36</a:t>
                       </a:r>
                       <a:endParaRPr lang="ko-KR" altLang="en-US" sz="1100" dirty="0"/>
@@ -3365,7 +3389,7 @@
                     <a:p>
                       <a:pPr algn="ctr" latinLnBrk="1"/>
                       <a:r>
-                        <a:rPr lang="en-US" altLang="ko-KR" sz="1100" dirty="0" smtClean="0"/>
+                        <a:rPr lang="en-US" altLang="ko-KR" sz="1100" dirty="0"/>
                         <a:t>GPIO-B</a:t>
                       </a:r>
                       <a:endParaRPr lang="ko-KR" altLang="en-US" sz="1100" dirty="0"/>
@@ -3387,7 +3411,7 @@
                     <a:p>
                       <a:pPr algn="ctr" latinLnBrk="1"/>
                       <a:r>
-                        <a:rPr lang="en-US" altLang="ko-KR" sz="1100" dirty="0" smtClean="0"/>
+                        <a:rPr lang="en-US" altLang="ko-KR" sz="1100" dirty="0"/>
                         <a:t>GPIO 12</a:t>
                       </a:r>
                       <a:endParaRPr lang="ko-KR" altLang="en-US" sz="1100" dirty="0"/>
@@ -3411,6 +3435,11 @@
                     </a:solidFill>
                   </a:tcPr>
                 </a:tc>
+                <a:extLst>
+                  <a:ext uri="{0D108BD9-81ED-4DB2-BD59-A6C34878D82A}">
+                    <a16:rowId xmlns:a16="http://schemas.microsoft.com/office/drawing/2014/main" val="10001"/>
+                  </a:ext>
+                </a:extLst>
               </a:tr>
               <a:tr h="204165">
                 <a:tc>
@@ -3420,8 +3449,8 @@
                     <a:p>
                       <a:pPr algn="ctr" latinLnBrk="1"/>
                       <a:r>
-                        <a:rPr lang="en-US" altLang="ko-KR" sz="1100" dirty="0" smtClean="0"/>
-                        <a:t>GPIO-B</a:t>
+                        <a:rPr lang="en-US" altLang="ko-KR" sz="1100"/>
+                        <a:t>GPIO-C</a:t>
                       </a:r>
                       <a:endParaRPr lang="ko-KR" altLang="en-US" sz="1100" dirty="0"/>
                     </a:p>
@@ -3462,11 +3491,11 @@
                         <a:defRPr/>
                       </a:pPr>
                       <a:r>
-                        <a:rPr lang="en-US" altLang="ko-KR" sz="1100" dirty="0" smtClean="0"/>
+                        <a:rPr lang="en-US" altLang="ko-KR" sz="1100" dirty="0"/>
                         <a:t>GPIO</a:t>
                       </a:r>
                       <a:r>
-                        <a:rPr lang="en-US" altLang="ko-KR" sz="1100" baseline="0" dirty="0" smtClean="0"/>
+                        <a:rPr lang="en-US" altLang="ko-KR" sz="1100" baseline="0" dirty="0"/>
                         <a:t> 13</a:t>
                       </a:r>
                       <a:endParaRPr lang="ko-KR" altLang="en-US" sz="1100" dirty="0"/>
@@ -3483,7 +3512,7 @@
                     <a:p>
                       <a:pPr algn="ctr" latinLnBrk="1"/>
                       <a:r>
-                        <a:rPr lang="en-US" altLang="ko-KR" sz="1100" dirty="0" smtClean="0"/>
+                        <a:rPr lang="en-US" altLang="ko-KR" sz="1100" dirty="0"/>
                         <a:t>GPIO-D</a:t>
                       </a:r>
                       <a:endParaRPr lang="ko-KR" altLang="en-US" sz="1100" dirty="0"/>
@@ -3500,11 +3529,11 @@
                     <a:p>
                       <a:pPr algn="ctr" latinLnBrk="1"/>
                       <a:r>
-                        <a:rPr lang="en-US" altLang="ko-KR" sz="1100" dirty="0" smtClean="0"/>
+                        <a:rPr lang="en-US" altLang="ko-KR" sz="1100" dirty="0"/>
                         <a:t>GPIO</a:t>
                       </a:r>
                       <a:r>
-                        <a:rPr lang="en-US" altLang="ko-KR" sz="1100" baseline="0" dirty="0" smtClean="0"/>
+                        <a:rPr lang="en-US" altLang="ko-KR" sz="1100" baseline="0" dirty="0"/>
                         <a:t> 69</a:t>
                       </a:r>
                       <a:endParaRPr lang="ko-KR" altLang="en-US" sz="1100" dirty="0"/>
@@ -3523,6 +3552,11 @@
                     <a:noFill/>
                   </a:tcPr>
                 </a:tc>
+                <a:extLst>
+                  <a:ext uri="{0D108BD9-81ED-4DB2-BD59-A6C34878D82A}">
+                    <a16:rowId xmlns:a16="http://schemas.microsoft.com/office/drawing/2014/main" val="10002"/>
+                  </a:ext>
+                </a:extLst>
               </a:tr>
               <a:tr h="204165">
                 <a:tc>
@@ -3532,7 +3566,7 @@
                     <a:p>
                       <a:pPr algn="ctr" latinLnBrk="1"/>
                       <a:r>
-                        <a:rPr lang="en-US" altLang="ko-KR" sz="1100" dirty="0" smtClean="0"/>
+                        <a:rPr lang="en-US" altLang="ko-KR" sz="1100" dirty="0"/>
                         <a:t>GPIO-E</a:t>
                       </a:r>
                       <a:endParaRPr lang="ko-KR" altLang="en-US" sz="1100" dirty="0"/>
@@ -3563,11 +3597,11 @@
                     <a:p>
                       <a:pPr algn="ctr" latinLnBrk="1"/>
                       <a:r>
-                        <a:rPr lang="en-US" altLang="ko-KR" sz="1100" dirty="0" smtClean="0"/>
+                        <a:rPr lang="en-US" altLang="ko-KR" sz="1100" dirty="0"/>
                         <a:t>GPIO</a:t>
                       </a:r>
                       <a:r>
-                        <a:rPr lang="en-US" altLang="ko-KR" sz="1100" baseline="0" dirty="0" smtClean="0"/>
+                        <a:rPr lang="en-US" altLang="ko-KR" sz="1100" baseline="0" dirty="0"/>
                         <a:t> 115</a:t>
                       </a:r>
                       <a:endParaRPr lang="ko-KR" altLang="en-US" sz="1100" dirty="0"/>
@@ -3589,7 +3623,7 @@
                     <a:p>
                       <a:pPr algn="ctr" latinLnBrk="1"/>
                       <a:r>
-                        <a:rPr lang="en-US" altLang="ko-KR" sz="1100" dirty="0" smtClean="0"/>
+                        <a:rPr lang="en-US" altLang="ko-KR" sz="1100" dirty="0"/>
                         <a:t>GPIO-F</a:t>
                       </a:r>
                       <a:endParaRPr lang="ko-KR" altLang="en-US" sz="1100" dirty="0"/>
@@ -3611,11 +3645,11 @@
                     <a:p>
                       <a:pPr algn="ctr" latinLnBrk="1"/>
                       <a:r>
-                        <a:rPr lang="en-US" altLang="ko-KR" sz="1100" dirty="0" smtClean="0"/>
+                        <a:rPr lang="en-US" altLang="ko-KR" sz="1100" dirty="0"/>
                         <a:t>GPIO</a:t>
                       </a:r>
                       <a:r>
-                        <a:rPr lang="en-US" altLang="ko-KR" sz="1100" baseline="0" dirty="0" smtClean="0"/>
+                        <a:rPr lang="en-US" altLang="ko-KR" sz="1100" baseline="0" dirty="0"/>
                         <a:t> 507</a:t>
                       </a:r>
                       <a:endParaRPr lang="ko-KR" altLang="en-US" sz="1100" dirty="0"/>
@@ -3639,6 +3673,11 @@
                     </a:solidFill>
                   </a:tcPr>
                 </a:tc>
+                <a:extLst>
+                  <a:ext uri="{0D108BD9-81ED-4DB2-BD59-A6C34878D82A}">
+                    <a16:rowId xmlns:a16="http://schemas.microsoft.com/office/drawing/2014/main" val="10003"/>
+                  </a:ext>
+                </a:extLst>
               </a:tr>
               <a:tr h="204165">
                 <a:tc>
@@ -3648,7 +3687,7 @@
                     <a:p>
                       <a:pPr algn="ctr" latinLnBrk="1"/>
                       <a:r>
-                        <a:rPr lang="en-US" altLang="ko-KR" sz="1100" dirty="0" smtClean="0"/>
+                        <a:rPr lang="en-US" altLang="ko-KR" sz="1100" dirty="0"/>
                         <a:t>GPIO-G</a:t>
                       </a:r>
                       <a:endParaRPr lang="ko-KR" altLang="en-US" sz="1100" dirty="0"/>
@@ -3674,11 +3713,11 @@
                     <a:p>
                       <a:pPr algn="ctr" latinLnBrk="1"/>
                       <a:r>
-                        <a:rPr lang="en-US" altLang="ko-KR" sz="1100" dirty="0" smtClean="0"/>
+                        <a:rPr lang="en-US" altLang="ko-KR" sz="1100" dirty="0"/>
                         <a:t>GPIO</a:t>
                       </a:r>
                       <a:r>
-                        <a:rPr lang="en-US" altLang="ko-KR" sz="1100" baseline="0" dirty="0" smtClean="0"/>
+                        <a:rPr lang="en-US" altLang="ko-KR" sz="1100" baseline="0" dirty="0"/>
                         <a:t> 24</a:t>
                       </a:r>
                       <a:endParaRPr lang="ko-KR" altLang="en-US" sz="1100" dirty="0"/>
@@ -3695,7 +3734,7 @@
                     <a:p>
                       <a:pPr algn="ctr" latinLnBrk="1"/>
                       <a:r>
-                        <a:rPr lang="en-US" altLang="ko-KR" sz="1100" dirty="0" smtClean="0"/>
+                        <a:rPr lang="en-US" altLang="ko-KR" sz="1100" dirty="0"/>
                         <a:t>GPIO-H</a:t>
                       </a:r>
                       <a:endParaRPr lang="ko-KR" altLang="en-US" sz="1100" dirty="0"/>
@@ -3712,11 +3751,11 @@
                     <a:p>
                       <a:pPr algn="ctr" latinLnBrk="1"/>
                       <a:r>
-                        <a:rPr lang="en-US" altLang="ko-KR" sz="1100" dirty="0" smtClean="0"/>
+                        <a:rPr lang="en-US" altLang="ko-KR" sz="1100" dirty="0"/>
                         <a:t>GPIO</a:t>
                       </a:r>
                       <a:r>
-                        <a:rPr lang="en-US" altLang="ko-KR" sz="1100" baseline="0" dirty="0" smtClean="0"/>
+                        <a:rPr lang="en-US" altLang="ko-KR" sz="1100" baseline="0" dirty="0"/>
                         <a:t> 25</a:t>
                       </a:r>
                       <a:endParaRPr lang="ko-KR" altLang="en-US" sz="1100" dirty="0"/>
@@ -3735,6 +3774,11 @@
                     <a:noFill/>
                   </a:tcPr>
                 </a:tc>
+                <a:extLst>
+                  <a:ext uri="{0D108BD9-81ED-4DB2-BD59-A6C34878D82A}">
+                    <a16:rowId xmlns:a16="http://schemas.microsoft.com/office/drawing/2014/main" val="10004"/>
+                  </a:ext>
+                </a:extLst>
               </a:tr>
               <a:tr h="204165">
                 <a:tc>
@@ -3744,7 +3788,7 @@
                     <a:p>
                       <a:pPr algn="ctr" latinLnBrk="1"/>
                       <a:r>
-                        <a:rPr lang="en-US" altLang="ko-KR" sz="1100" dirty="0" smtClean="0"/>
+                        <a:rPr lang="en-US" altLang="ko-KR" sz="1100" dirty="0"/>
                         <a:t>GPIO-I</a:t>
                       </a:r>
                       <a:endParaRPr lang="ko-KR" altLang="en-US" sz="1100" dirty="0"/>
@@ -3775,11 +3819,11 @@
                     <a:p>
                       <a:pPr algn="ctr" latinLnBrk="1"/>
                       <a:r>
-                        <a:rPr lang="en-US" altLang="ko-KR" sz="1100" dirty="0" smtClean="0"/>
+                        <a:rPr lang="en-US" altLang="ko-KR" sz="1100" dirty="0"/>
                         <a:t>GPIO</a:t>
                       </a:r>
                       <a:r>
-                        <a:rPr lang="en-US" altLang="ko-KR" sz="1100" baseline="0" dirty="0" smtClean="0"/>
+                        <a:rPr lang="en-US" altLang="ko-KR" sz="1100" baseline="0" dirty="0"/>
                         <a:t> 35</a:t>
                       </a:r>
                       <a:endParaRPr lang="ko-KR" altLang="en-US" sz="1100" dirty="0"/>
@@ -3801,7 +3845,7 @@
                     <a:p>
                       <a:pPr algn="ctr" latinLnBrk="1"/>
                       <a:r>
-                        <a:rPr lang="en-US" altLang="ko-KR" sz="1100" dirty="0" smtClean="0"/>
+                        <a:rPr lang="en-US" altLang="ko-KR" sz="1100" dirty="0"/>
                         <a:t>GPIO-J</a:t>
                       </a:r>
                       <a:endParaRPr lang="ko-KR" altLang="en-US" sz="1100" dirty="0"/>
@@ -3823,11 +3867,11 @@
                     <a:p>
                       <a:pPr algn="ctr" latinLnBrk="1"/>
                       <a:r>
-                        <a:rPr lang="en-US" altLang="ko-KR" sz="1100" dirty="0" smtClean="0"/>
+                        <a:rPr lang="en-US" altLang="ko-KR" sz="1100" dirty="0"/>
                         <a:t>GPIO</a:t>
                       </a:r>
                       <a:r>
-                        <a:rPr lang="en-US" altLang="ko-KR" sz="1100" baseline="0" dirty="0" smtClean="0"/>
+                        <a:rPr lang="en-US" altLang="ko-KR" sz="1100" baseline="0" dirty="0"/>
                         <a:t> 34</a:t>
                       </a:r>
                       <a:endParaRPr lang="ko-KR" altLang="en-US" sz="1100" dirty="0"/>
@@ -3851,6 +3895,11 @@
                     </a:solidFill>
                   </a:tcPr>
                 </a:tc>
+                <a:extLst>
+                  <a:ext uri="{0D108BD9-81ED-4DB2-BD59-A6C34878D82A}">
+                    <a16:rowId xmlns:a16="http://schemas.microsoft.com/office/drawing/2014/main" val="10005"/>
+                  </a:ext>
+                </a:extLst>
               </a:tr>
               <a:tr h="204165">
                 <a:tc>
@@ -3860,7 +3909,7 @@
                     <a:p>
                       <a:pPr algn="ctr" latinLnBrk="1"/>
                       <a:r>
-                        <a:rPr lang="en-US" altLang="ko-KR" sz="1100" dirty="0" smtClean="0"/>
+                        <a:rPr lang="en-US" altLang="ko-KR" sz="1100" dirty="0"/>
                         <a:t>GPIO-K</a:t>
                       </a:r>
                       <a:endParaRPr lang="ko-KR" altLang="en-US" sz="1100" dirty="0"/>
@@ -3895,11 +3944,11 @@
                     <a:p>
                       <a:pPr algn="ctr" latinLnBrk="1"/>
                       <a:r>
-                        <a:rPr lang="en-US" altLang="ko-KR" sz="1100" dirty="0" smtClean="0"/>
+                        <a:rPr lang="en-US" altLang="ko-KR" sz="1100" dirty="0"/>
                         <a:t>GPIO</a:t>
                       </a:r>
                       <a:r>
-                        <a:rPr lang="en-US" altLang="ko-KR" sz="1100" baseline="0" dirty="0" smtClean="0"/>
+                        <a:rPr lang="en-US" altLang="ko-KR" sz="1100" baseline="0" dirty="0"/>
                         <a:t> 28</a:t>
                       </a:r>
                       <a:endParaRPr lang="ko-KR" altLang="en-US" sz="1100" dirty="0"/>
@@ -3925,7 +3974,7 @@
                     <a:p>
                       <a:pPr algn="ctr" latinLnBrk="1"/>
                       <a:r>
-                        <a:rPr lang="en-US" altLang="ko-KR" sz="1100" dirty="0" smtClean="0"/>
+                        <a:rPr lang="en-US" altLang="ko-KR" sz="1100" dirty="0"/>
                         <a:t>GPIO-L</a:t>
                       </a:r>
                       <a:endParaRPr lang="ko-KR" altLang="en-US" sz="1100" dirty="0"/>
@@ -3951,11 +4000,11 @@
                     <a:p>
                       <a:pPr algn="ctr" latinLnBrk="1"/>
                       <a:r>
-                        <a:rPr lang="en-US" altLang="ko-KR" sz="1100" dirty="0" smtClean="0"/>
+                        <a:rPr lang="en-US" altLang="ko-KR" sz="1100" dirty="0"/>
                         <a:t>GPIO</a:t>
                       </a:r>
                       <a:r>
-                        <a:rPr lang="en-US" altLang="ko-KR" sz="1100" baseline="0" dirty="0" smtClean="0"/>
+                        <a:rPr lang="en-US" altLang="ko-KR" sz="1100" baseline="0" dirty="0"/>
                         <a:t> 33</a:t>
                       </a:r>
                       <a:endParaRPr lang="ko-KR" altLang="en-US" sz="1100" dirty="0"/>
@@ -3983,6 +4032,11 @@
                     <a:noFill/>
                   </a:tcPr>
                 </a:tc>
+                <a:extLst>
+                  <a:ext uri="{0D108BD9-81ED-4DB2-BD59-A6C34878D82A}">
+                    <a16:rowId xmlns:a16="http://schemas.microsoft.com/office/drawing/2014/main" val="10006"/>
+                  </a:ext>
+                </a:extLst>
               </a:tr>
             </a:tbl>
           </a:graphicData>
